--- a/labs-content/diagrams/class6.pptx
+++ b/labs-content/diagrams/class6.pptx
@@ -15601,91 +15601,6 @@
           <a:xfrm>
             <a:off x="726745" y="3246303"/>
             <a:ext cx="3564974" cy="3194379"/>
-          </a:xfrm>
-          <a:prstGeom prst="rect">
-            <a:avLst/>
-          </a:prstGeom>
-          <a:solidFill>
-            <a:schemeClr val="bg1">
-              <a:alpha val="70000"/>
-            </a:schemeClr>
-          </a:solidFill>
-          <a:ln>
-            <a:solidFill>
-              <a:schemeClr val="bg1"/>
-            </a:solidFill>
-          </a:ln>
-        </p:spPr>
-        <p:style>
-          <a:lnRef idx="2">
-            <a:schemeClr val="accent1">
-              <a:shade val="50000"/>
-            </a:schemeClr>
-          </a:lnRef>
-          <a:fillRef idx="1">
-            <a:schemeClr val="accent1"/>
-          </a:fillRef>
-          <a:effectRef idx="0">
-            <a:schemeClr val="accent1"/>
-          </a:effectRef>
-          <a:fontRef idx="minor">
-            <a:schemeClr val="lt1"/>
-          </a:fontRef>
-        </p:style>
-        <p:txBody>
-          <a:bodyPr rtlCol="0" anchor="ctr"/>
-          <a:lstStyle/>
-          <a:p>
-            <a:pPr marL="0" marR="0" lvl="0" indent="0" algn="l" defTabSz="914400" rtl="0" eaLnBrk="1" fontAlgn="auto" latinLnBrk="0" hangingPunct="1">
-              <a:lnSpc>
-                <a:spcPct val="90000"/>
-              </a:lnSpc>
-              <a:spcBef>
-                <a:spcPts val="200"/>
-              </a:spcBef>
-              <a:spcAft>
-                <a:spcPts val="200"/>
-              </a:spcAft>
-              <a:buClrTx/>
-              <a:buSzTx/>
-              <a:buFontTx/>
-              <a:buNone/>
-              <a:tabLst/>
-              <a:defRPr/>
-            </a:pPr>
-            <a:endParaRPr kumimoji="0" lang="en-US" sz="1800" b="0" i="0" u="none" strike="noStrike" kern="100" cap="none" spc="0" normalizeH="0" baseline="0" noProof="0" err="1">
-              <a:ln>
-                <a:noFill/>
-              </a:ln>
-              <a:solidFill>
-                <a:prstClr val="white"/>
-              </a:solidFill>
-              <a:effectLst/>
-              <a:uLnTx/>
-              <a:uFillTx/>
-              <a:latin typeface="Arial"/>
-              <a:ea typeface="+mn-ea"/>
-              <a:cs typeface="+mn-cs"/>
-            </a:endParaRPr>
-          </a:p>
-        </p:txBody>
-      </p:sp>
-      <p:sp>
-        <p:nvSpPr>
-          <p:cNvPr id="300" name="Rectangle 299">
-            <a:extLst>
-              <a:ext uri="{FF2B5EF4-FFF2-40B4-BE49-F238E27FC236}">
-                <a16:creationId xmlns:a16="http://schemas.microsoft.com/office/drawing/2014/main" id="{C30D92AF-9703-7332-D6BE-E0AC4885CE2E}"/>
-              </a:ext>
-            </a:extLst>
-          </p:cNvPr>
-          <p:cNvSpPr/>
-          <p:nvPr/>
-        </p:nvSpPr>
-        <p:spPr>
-          <a:xfrm>
-            <a:off x="8995203" y="1195855"/>
-            <a:ext cx="2855933" cy="2020224"/>
           </a:xfrm>
           <a:prstGeom prst="rect">
             <a:avLst/>
